--- a/aiaptooling.pptx
+++ b/aiaptooling.pptx
@@ -124,6 +124,11 @@
       </a:defRPr>
     </a:lvl9pPr>
   </p:defaultTextStyle>
+  <p:extLst>
+    <p:ext uri="{EFAFB233-063F-42B5-8137-9DF3F51BA10A}">
+      <p15:sldGuideLst xmlns:p15="http://schemas.microsoft.com/office/powerpoint/2012/main"/>
+    </p:ext>
+  </p:extLst>
 </p:presentation>
 </file>
 
@@ -258,7 +263,7 @@
           <a:p>
             <a:fld id="{AECD7893-D1B8-4FCF-A2B9-7070FC0DB985}" type="datetimeFigureOut">
               <a:rPr lang="en-SG" smtClean="0"/>
-              <a:t>12/7/2020</a:t>
+              <a:t>13/7/2020</a:t>
             </a:fld>
             <a:endParaRPr lang="en-SG"/>
           </a:p>
@@ -428,7 +433,7 @@
           <a:p>
             <a:fld id="{AECD7893-D1B8-4FCF-A2B9-7070FC0DB985}" type="datetimeFigureOut">
               <a:rPr lang="en-SG" smtClean="0"/>
-              <a:t>12/7/2020</a:t>
+              <a:t>13/7/2020</a:t>
             </a:fld>
             <a:endParaRPr lang="en-SG"/>
           </a:p>
@@ -608,7 +613,7 @@
           <a:p>
             <a:fld id="{AECD7893-D1B8-4FCF-A2B9-7070FC0DB985}" type="datetimeFigureOut">
               <a:rPr lang="en-SG" smtClean="0"/>
-              <a:t>12/7/2020</a:t>
+              <a:t>13/7/2020</a:t>
             </a:fld>
             <a:endParaRPr lang="en-SG"/>
           </a:p>
@@ -778,7 +783,7 @@
           <a:p>
             <a:fld id="{AECD7893-D1B8-4FCF-A2B9-7070FC0DB985}" type="datetimeFigureOut">
               <a:rPr lang="en-SG" smtClean="0"/>
-              <a:t>12/7/2020</a:t>
+              <a:t>13/7/2020</a:t>
             </a:fld>
             <a:endParaRPr lang="en-SG"/>
           </a:p>
@@ -1024,7 +1029,7 @@
           <a:p>
             <a:fld id="{AECD7893-D1B8-4FCF-A2B9-7070FC0DB985}" type="datetimeFigureOut">
               <a:rPr lang="en-SG" smtClean="0"/>
-              <a:t>12/7/2020</a:t>
+              <a:t>13/7/2020</a:t>
             </a:fld>
             <a:endParaRPr lang="en-SG"/>
           </a:p>
@@ -1256,7 +1261,7 @@
           <a:p>
             <a:fld id="{AECD7893-D1B8-4FCF-A2B9-7070FC0DB985}" type="datetimeFigureOut">
               <a:rPr lang="en-SG" smtClean="0"/>
-              <a:t>12/7/2020</a:t>
+              <a:t>13/7/2020</a:t>
             </a:fld>
             <a:endParaRPr lang="en-SG"/>
           </a:p>
@@ -1623,7 +1628,7 @@
           <a:p>
             <a:fld id="{AECD7893-D1B8-4FCF-A2B9-7070FC0DB985}" type="datetimeFigureOut">
               <a:rPr lang="en-SG" smtClean="0"/>
-              <a:t>12/7/2020</a:t>
+              <a:t>13/7/2020</a:t>
             </a:fld>
             <a:endParaRPr lang="en-SG"/>
           </a:p>
@@ -1741,7 +1746,7 @@
           <a:p>
             <a:fld id="{AECD7893-D1B8-4FCF-A2B9-7070FC0DB985}" type="datetimeFigureOut">
               <a:rPr lang="en-SG" smtClean="0"/>
-              <a:t>12/7/2020</a:t>
+              <a:t>13/7/2020</a:t>
             </a:fld>
             <a:endParaRPr lang="en-SG"/>
           </a:p>
@@ -1836,7 +1841,7 @@
           <a:p>
             <a:fld id="{AECD7893-D1B8-4FCF-A2B9-7070FC0DB985}" type="datetimeFigureOut">
               <a:rPr lang="en-SG" smtClean="0"/>
-              <a:t>12/7/2020</a:t>
+              <a:t>13/7/2020</a:t>
             </a:fld>
             <a:endParaRPr lang="en-SG"/>
           </a:p>
@@ -2113,7 +2118,7 @@
           <a:p>
             <a:fld id="{AECD7893-D1B8-4FCF-A2B9-7070FC0DB985}" type="datetimeFigureOut">
               <a:rPr lang="en-SG" smtClean="0"/>
-              <a:t>12/7/2020</a:t>
+              <a:t>13/7/2020</a:t>
             </a:fld>
             <a:endParaRPr lang="en-SG"/>
           </a:p>
@@ -2366,7 +2371,7 @@
           <a:p>
             <a:fld id="{AECD7893-D1B8-4FCF-A2B9-7070FC0DB985}" type="datetimeFigureOut">
               <a:rPr lang="en-SG" smtClean="0"/>
-              <a:t>12/7/2020</a:t>
+              <a:t>13/7/2020</a:t>
             </a:fld>
             <a:endParaRPr lang="en-SG"/>
           </a:p>
@@ -2588,7 +2593,7 @@
           <a:p>
             <a:fld id="{AECD7893-D1B8-4FCF-A2B9-7070FC0DB985}" type="datetimeFigureOut">
               <a:rPr lang="en-SG" smtClean="0"/>
-              <a:t>12/7/2020</a:t>
+              <a:t>13/7/2020</a:t>
             </a:fld>
             <a:endParaRPr lang="en-SG"/>
           </a:p>
@@ -4928,16 +4933,7 @@
                 </a:solidFill>
                 <a:latin typeface="Consolas" panose="020B0609020204030204" pitchFamily="49" charset="0"/>
               </a:rPr>
-              <a:t>Fo</a:t>
-            </a:r>
-            <a:r>
-              <a:rPr lang="en-SG" sz="3200" i="1" dirty="0" smtClean="0">
-                <a:solidFill>
-                  <a:srgbClr val="00B0F0"/>
-                </a:solidFill>
-                <a:latin typeface="Consolas" panose="020B0609020204030204" pitchFamily="49" charset="0"/>
-              </a:rPr>
-              <a:t>r Linux:</a:t>
+              <a:t>For Linux:</a:t>
             </a:r>
           </a:p>
           <a:p>
@@ -6238,7 +6234,7 @@
         </p:nvSpPr>
         <p:spPr>
           <a:xfrm>
-            <a:off x="1479030" y="1431561"/>
+            <a:off x="1430169" y="1312899"/>
             <a:ext cx="9501265" cy="4954248"/>
           </a:xfrm>
           <a:prstGeom prst="rect">

--- a/aiaptooling.pptx
+++ b/aiaptooling.pptx
@@ -6234,7 +6234,7 @@
         </p:nvSpPr>
         <p:spPr>
           <a:xfrm>
-            <a:off x="1430169" y="1312899"/>
+            <a:off x="1300397" y="1585125"/>
             <a:ext cx="9501265" cy="4954248"/>
           </a:xfrm>
           <a:prstGeom prst="rect">
@@ -6412,11 +6412,21 @@
           </a:lstStyle>
           <a:p>
             <a:pPr algn="l"/>
-            <a:endParaRPr lang="en-SG" sz="3200" dirty="0">
+            <a:r>
+              <a:rPr lang="en-SG" sz="2000" dirty="0">
+                <a:solidFill>
+                  <a:schemeClr val="bg1"/>
+                </a:solidFill>
+                <a:latin typeface="Consolas" panose="020B0609020204030204" pitchFamily="49" charset="0"/>
+                <a:hlinkClick r:id="rId2"/>
+              </a:rPr>
+              <a:t>https://github.com/ycx91/aiap_tooling/blob/master/aiaptooling.pdf</a:t>
+            </a:r>
+            <a:endParaRPr lang="en-SG" sz="2000" dirty="0">
               <a:solidFill>
                 <a:schemeClr val="bg1"/>
               </a:solidFill>
-              <a:latin typeface="Helvetica-Normal" pitchFamily="2" charset="0"/>
+              <a:latin typeface="Consolas" panose="020B0609020204030204" pitchFamily="49" charset="0"/>
             </a:endParaRPr>
           </a:p>
         </p:txBody>
